--- a/week_0/slides/Week_00_introductions.pptx
+++ b/week_0/slides/Week_00_introductions.pptx
@@ -6,15 +6,15 @@
   </p:sldMasterIdLst>
   <p:sldIdLst>
     <p:sldId id="256" r:id="rId2"/>
-    <p:sldId id="257" r:id="rId3"/>
-    <p:sldId id="258" r:id="rId4"/>
-    <p:sldId id="294" r:id="rId5"/>
-    <p:sldId id="259" r:id="rId6"/>
-    <p:sldId id="260" r:id="rId7"/>
-    <p:sldId id="261" r:id="rId8"/>
-    <p:sldId id="290" r:id="rId9"/>
-    <p:sldId id="262" r:id="rId10"/>
-    <p:sldId id="263" r:id="rId11"/>
+    <p:sldId id="263" r:id="rId3"/>
+    <p:sldId id="257" r:id="rId4"/>
+    <p:sldId id="258" r:id="rId5"/>
+    <p:sldId id="294" r:id="rId6"/>
+    <p:sldId id="259" r:id="rId7"/>
+    <p:sldId id="260" r:id="rId8"/>
+    <p:sldId id="261" r:id="rId9"/>
+    <p:sldId id="290" r:id="rId10"/>
+    <p:sldId id="262" r:id="rId11"/>
     <p:sldId id="292" r:id="rId12"/>
     <p:sldId id="293" r:id="rId13"/>
   </p:sldIdLst>
@@ -121,6 +121,7 @@
         <p14:section name="Default Section" id="{B9F728D3-DA3C-DE4C-A2C6-81ACB2CBF649}">
           <p14:sldIdLst>
             <p14:sldId id="256"/>
+            <p14:sldId id="263"/>
             <p14:sldId id="257"/>
             <p14:sldId id="258"/>
             <p14:sldId id="294"/>
@@ -129,7 +130,6 @@
             <p14:sldId id="261"/>
             <p14:sldId id="290"/>
             <p14:sldId id="262"/>
-            <p14:sldId id="263"/>
             <p14:sldId id="292"/>
             <p14:sldId id="293"/>
           </p14:sldIdLst>
@@ -3936,13 +3936,7 @@
   <p:cSld>
     <p:spTree>
       <p:nvGrpSpPr>
-        <p:cNvPr id="1" name="">
-          <a:extLst>
-            <a:ext uri="{FF2B5EF4-FFF2-40B4-BE49-F238E27FC236}">
-              <a16:creationId xmlns:a16="http://schemas.microsoft.com/office/drawing/2014/main" id="{C05B20A9-69FF-49D1-A861-1ACF74C80CBE}"/>
-            </a:ext>
-          </a:extLst>
-        </p:cNvPr>
+        <p:cNvPr id="1" name=""/>
         <p:cNvGrpSpPr/>
         <p:nvPr/>
       </p:nvGrpSpPr>
@@ -3959,7 +3953,7 @@
           <p:cNvPr id="2" name="Title 1">
             <a:extLst>
               <a:ext uri="{FF2B5EF4-FFF2-40B4-BE49-F238E27FC236}">
-                <a16:creationId xmlns:a16="http://schemas.microsoft.com/office/drawing/2014/main" id="{80F3D489-B32A-14A9-643D-8A5DC1A48BA4}"/>
+                <a16:creationId xmlns:a16="http://schemas.microsoft.com/office/drawing/2014/main" id="{E0E2DA87-DA19-8AEB-1406-00CF5DAFC7B3}"/>
               </a:ext>
             </a:extLst>
           </p:cNvPr>
@@ -3983,7 +3977,7 @@
                   <a:srgbClr val="FFC000"/>
                 </a:solidFill>
               </a:rPr>
-              <a:t>Today’s Plan</a:t>
+              <a:t>What You’ll Gain</a:t>
             </a:r>
             <a:endParaRPr lang="en-US" dirty="0">
               <a:solidFill>
@@ -3998,7 +3992,7 @@
           <p:cNvPr id="3" name="Content Placeholder 2">
             <a:extLst>
               <a:ext uri="{FF2B5EF4-FFF2-40B4-BE49-F238E27FC236}">
-                <a16:creationId xmlns:a16="http://schemas.microsoft.com/office/drawing/2014/main" id="{89503C01-30C0-6086-66BF-64EF683E289A}"/>
+                <a16:creationId xmlns:a16="http://schemas.microsoft.com/office/drawing/2014/main" id="{1F1A9237-AEDB-8870-633B-14091811B782}"/>
               </a:ext>
             </a:extLst>
           </p:cNvPr>
@@ -4020,65 +4014,69 @@
                   <a:srgbClr val="FFC000"/>
                 </a:solidFill>
               </a:rPr>
-              <a:t>Introductions</a:t>
-            </a:r>
-          </a:p>
-          <a:p>
-            <a:r>
-              <a:rPr lang="en-AU" b="1" dirty="0">
-                <a:solidFill>
-                  <a:srgbClr val="FFC000"/>
-                </a:solidFill>
-              </a:rPr>
-              <a:t>Course overview &amp; expectations</a:t>
-            </a:r>
-          </a:p>
-          <a:p>
-            <a:r>
-              <a:rPr lang="en-AU" b="1" dirty="0">
-                <a:solidFill>
-                  <a:srgbClr val="FFC000"/>
-                </a:solidFill>
-              </a:rPr>
-              <a:t>Curriculum walkthrough</a:t>
-            </a:r>
-          </a:p>
-          <a:p>
-            <a:r>
-              <a:rPr lang="en-AU" b="1" dirty="0">
-                <a:solidFill>
-                  <a:srgbClr val="FFC000"/>
-                </a:solidFill>
-              </a:rPr>
-              <a:t>Project preview</a:t>
-            </a:r>
-          </a:p>
-          <a:p>
-            <a:r>
-              <a:rPr lang="en-AU" b="1" dirty="0">
-                <a:solidFill>
-                  <a:srgbClr val="FFC000"/>
-                </a:solidFill>
-              </a:rPr>
-              <a:t>Q&amp;A</a:t>
-            </a:r>
-          </a:p>
-          <a:p>
-            <a:r>
-              <a:rPr lang="en-AU" b="1" dirty="0">
-                <a:solidFill>
-                  <a:srgbClr val="FFC000"/>
-                </a:solidFill>
-              </a:rPr>
-              <a:t>Week 0 content</a:t>
-            </a:r>
+              <a:t>By the end of this course, you will:</a:t>
+            </a:r>
+          </a:p>
+          <a:p>
+            <a:pPr lvl="1"/>
+            <a:r>
+              <a:rPr lang="en-AU" dirty="0"/>
+              <a:t>Understand </a:t>
+            </a:r>
+            <a:r>
+              <a:rPr lang="en-AU" b="1" dirty="0"/>
+              <a:t>ML model deployment pipelines</a:t>
+            </a:r>
+            <a:endParaRPr lang="en-AU" dirty="0"/>
+          </a:p>
+          <a:p>
+            <a:pPr lvl="1"/>
+            <a:r>
+              <a:rPr lang="en-AU" dirty="0"/>
+              <a:t>Be able to </a:t>
+            </a:r>
+            <a:r>
+              <a:rPr lang="en-AU" b="1" dirty="0"/>
+              <a:t>build &amp; deploy</a:t>
+            </a:r>
+            <a:r>
+              <a:rPr lang="en-AU" dirty="0"/>
+              <a:t> production-ready models</a:t>
+            </a:r>
+          </a:p>
+          <a:p>
+            <a:pPr lvl="1"/>
+            <a:r>
+              <a:rPr lang="en-AU" dirty="0"/>
+              <a:t>Be prepared for </a:t>
+            </a:r>
+            <a:r>
+              <a:rPr lang="en-AU" b="1" dirty="0"/>
+              <a:t>roles in data science &amp; AI engineering</a:t>
+            </a:r>
+            <a:endParaRPr lang="en-AU" dirty="0"/>
+          </a:p>
+          <a:p>
+            <a:pPr lvl="1"/>
+            <a:r>
+              <a:rPr lang="en-AU" dirty="0"/>
+              <a:t>Leave with </a:t>
+            </a:r>
+            <a:r>
+              <a:rPr lang="en-AU" b="1" dirty="0"/>
+              <a:t>portfolio-ready projects</a:t>
+            </a:r>
+            <a:endParaRPr lang="en-AU" dirty="0"/>
+          </a:p>
+          <a:p>
+            <a:endParaRPr lang="en-US" dirty="0"/>
           </a:p>
         </p:txBody>
       </p:sp>
     </p:spTree>
     <p:extLst>
       <p:ext uri="{BB962C8B-B14F-4D97-AF65-F5344CB8AC3E}">
-        <p14:creationId xmlns:p14="http://schemas.microsoft.com/office/powerpoint/2010/main" val="725569526"/>
+        <p14:creationId xmlns:p14="http://schemas.microsoft.com/office/powerpoint/2010/main" val="3539093200"/>
       </p:ext>
     </p:extLst>
   </p:cSld>
@@ -4485,6 +4483,171 @@
   <p:cSld>
     <p:spTree>
       <p:nvGrpSpPr>
+        <p:cNvPr id="1" name="">
+          <a:extLst>
+            <a:ext uri="{FF2B5EF4-FFF2-40B4-BE49-F238E27FC236}">
+              <a16:creationId xmlns:a16="http://schemas.microsoft.com/office/drawing/2014/main" id="{C05B20A9-69FF-49D1-A861-1ACF74C80CBE}"/>
+            </a:ext>
+          </a:extLst>
+        </p:cNvPr>
+        <p:cNvGrpSpPr/>
+        <p:nvPr/>
+      </p:nvGrpSpPr>
+      <p:grpSpPr>
+        <a:xfrm>
+          <a:off x="0" y="0"/>
+          <a:ext cx="0" cy="0"/>
+          <a:chOff x="0" y="0"/>
+          <a:chExt cx="0" cy="0"/>
+        </a:xfrm>
+      </p:grpSpPr>
+      <p:sp>
+        <p:nvSpPr>
+          <p:cNvPr id="2" name="Title 1">
+            <a:extLst>
+              <a:ext uri="{FF2B5EF4-FFF2-40B4-BE49-F238E27FC236}">
+                <a16:creationId xmlns:a16="http://schemas.microsoft.com/office/drawing/2014/main" id="{80F3D489-B32A-14A9-643D-8A5DC1A48BA4}"/>
+              </a:ext>
+            </a:extLst>
+          </p:cNvPr>
+          <p:cNvSpPr>
+            <a:spLocks noGrp="1"/>
+          </p:cNvSpPr>
+          <p:nvPr>
+            <p:ph type="title"/>
+          </p:nvPr>
+        </p:nvSpPr>
+        <p:spPr/>
+        <p:txBody>
+          <a:bodyPr>
+            <a:normAutofit fontScale="90000"/>
+          </a:bodyPr>
+          <a:lstStyle/>
+          <a:p>
+            <a:r>
+              <a:rPr lang="en-AU" dirty="0">
+                <a:solidFill>
+                  <a:srgbClr val="FFC000"/>
+                </a:solidFill>
+              </a:rPr>
+              <a:t>Today’s Plan</a:t>
+            </a:r>
+            <a:endParaRPr lang="en-US" dirty="0">
+              <a:solidFill>
+                <a:srgbClr val="FFC000"/>
+              </a:solidFill>
+            </a:endParaRPr>
+          </a:p>
+        </p:txBody>
+      </p:sp>
+      <p:sp>
+        <p:nvSpPr>
+          <p:cNvPr id="3" name="Content Placeholder 2">
+            <a:extLst>
+              <a:ext uri="{FF2B5EF4-FFF2-40B4-BE49-F238E27FC236}">
+                <a16:creationId xmlns:a16="http://schemas.microsoft.com/office/drawing/2014/main" id="{89503C01-30C0-6086-66BF-64EF683E289A}"/>
+              </a:ext>
+            </a:extLst>
+          </p:cNvPr>
+          <p:cNvSpPr>
+            <a:spLocks noGrp="1"/>
+          </p:cNvSpPr>
+          <p:nvPr>
+            <p:ph idx="1"/>
+          </p:nvPr>
+        </p:nvSpPr>
+        <p:spPr/>
+        <p:txBody>
+          <a:bodyPr/>
+          <a:lstStyle/>
+          <a:p>
+            <a:r>
+              <a:rPr lang="en-AU" b="1" dirty="0"/>
+              <a:t>Introductions</a:t>
+            </a:r>
+          </a:p>
+          <a:p>
+            <a:r>
+              <a:rPr lang="en-AU" b="1" dirty="0"/>
+              <a:t>Course overview &amp; expectations</a:t>
+            </a:r>
+          </a:p>
+          <a:p>
+            <a:r>
+              <a:rPr lang="en-AU" b="1" dirty="0"/>
+              <a:t>Curriculum walkthrough</a:t>
+            </a:r>
+          </a:p>
+          <a:p>
+            <a:r>
+              <a:rPr lang="en-AU" b="1" dirty="0"/>
+              <a:t>Project preview</a:t>
+            </a:r>
+          </a:p>
+          <a:p>
+            <a:r>
+              <a:rPr lang="en-AU" b="1" dirty="0"/>
+              <a:t>Q&amp;A</a:t>
+            </a:r>
+          </a:p>
+          <a:p>
+            <a:r>
+              <a:rPr lang="en-AU" b="1" dirty="0"/>
+              <a:t>Week 0 content</a:t>
+            </a:r>
+          </a:p>
+          <a:p>
+            <a:pPr lvl="1"/>
+            <a:r>
+              <a:rPr lang="en-AU" b="1" dirty="0"/>
+              <a:t>Git and </a:t>
+            </a:r>
+            <a:r>
+              <a:rPr lang="en-AU" b="1" dirty="0" err="1"/>
+              <a:t>Github</a:t>
+            </a:r>
+            <a:endParaRPr lang="en-AU" b="1" dirty="0"/>
+          </a:p>
+          <a:p>
+            <a:pPr lvl="1"/>
+            <a:r>
+              <a:rPr lang="en-AU" b="1" dirty="0"/>
+              <a:t>Lab for Git and </a:t>
+            </a:r>
+            <a:r>
+              <a:rPr lang="en-AU" b="1" dirty="0" err="1"/>
+              <a:t>Github</a:t>
+            </a:r>
+            <a:endParaRPr lang="en-AU" b="1" dirty="0"/>
+          </a:p>
+          <a:p>
+            <a:pPr lvl="1"/>
+            <a:r>
+              <a:rPr lang="en-AU" b="1"/>
+              <a:t>Python Intro</a:t>
+            </a:r>
+            <a:endParaRPr lang="en-AU" b="1" dirty="0"/>
+          </a:p>
+        </p:txBody>
+      </p:sp>
+    </p:spTree>
+    <p:extLst>
+      <p:ext uri="{BB962C8B-B14F-4D97-AF65-F5344CB8AC3E}">
+        <p14:creationId xmlns:p14="http://schemas.microsoft.com/office/powerpoint/2010/main" val="725569526"/>
+      </p:ext>
+    </p:extLst>
+  </p:cSld>
+  <p:clrMapOvr>
+    <a:masterClrMapping/>
+  </p:clrMapOvr>
+</p:sld>
+</file>
+
+<file path=ppt/slides/slide3.xml><?xml version="1.0" encoding="utf-8"?>
+<p:sld xmlns:a="http://schemas.openxmlformats.org/drawingml/2006/main" xmlns:r="http://schemas.openxmlformats.org/officeDocument/2006/relationships" xmlns:p="http://schemas.openxmlformats.org/presentationml/2006/main">
+  <p:cSld>
+    <p:spTree>
+      <p:nvGrpSpPr>
         <p:cNvPr id="1" name=""/>
         <p:cNvGrpSpPr/>
         <p:nvPr/>
@@ -4647,7 +4810,7 @@
 </p:sld>
 </file>
 
-<file path=ppt/slides/slide3.xml><?xml version="1.0" encoding="utf-8"?>
+<file path=ppt/slides/slide4.xml><?xml version="1.0" encoding="utf-8"?>
 <p:sld xmlns:a="http://schemas.openxmlformats.org/drawingml/2006/main" xmlns:r="http://schemas.openxmlformats.org/officeDocument/2006/relationships" xmlns:p="http://schemas.openxmlformats.org/presentationml/2006/main">
   <p:cSld>
     <p:spTree>
@@ -4777,7 +4940,7 @@
 </p:sld>
 </file>
 
-<file path=ppt/slides/slide4.xml><?xml version="1.0" encoding="utf-8"?>
+<file path=ppt/slides/slide5.xml><?xml version="1.0" encoding="utf-8"?>
 <p:sld xmlns:a="http://schemas.openxmlformats.org/drawingml/2006/main" xmlns:r="http://schemas.openxmlformats.org/officeDocument/2006/relationships" xmlns:p="http://schemas.openxmlformats.org/presentationml/2006/main">
   <p:cSld>
     <p:spTree>
@@ -4929,168 +5092,6 @@
     <p:extLst>
       <p:ext uri="{BB962C8B-B14F-4D97-AF65-F5344CB8AC3E}">
         <p14:creationId xmlns:p14="http://schemas.microsoft.com/office/powerpoint/2010/main" val="4036851039"/>
-      </p:ext>
-    </p:extLst>
-  </p:cSld>
-  <p:clrMapOvr>
-    <a:masterClrMapping/>
-  </p:clrMapOvr>
-</p:sld>
-</file>
-
-<file path=ppt/slides/slide5.xml><?xml version="1.0" encoding="utf-8"?>
-<p:sld xmlns:a="http://schemas.openxmlformats.org/drawingml/2006/main" xmlns:r="http://schemas.openxmlformats.org/officeDocument/2006/relationships" xmlns:p="http://schemas.openxmlformats.org/presentationml/2006/main">
-  <p:cSld>
-    <p:spTree>
-      <p:nvGrpSpPr>
-        <p:cNvPr id="1" name=""/>
-        <p:cNvGrpSpPr/>
-        <p:nvPr/>
-      </p:nvGrpSpPr>
-      <p:grpSpPr>
-        <a:xfrm>
-          <a:off x="0" y="0"/>
-          <a:ext cx="0" cy="0"/>
-          <a:chOff x="0" y="0"/>
-          <a:chExt cx="0" cy="0"/>
-        </a:xfrm>
-      </p:grpSpPr>
-      <p:sp>
-        <p:nvSpPr>
-          <p:cNvPr id="2" name="Title 1">
-            <a:extLst>
-              <a:ext uri="{FF2B5EF4-FFF2-40B4-BE49-F238E27FC236}">
-                <a16:creationId xmlns:a16="http://schemas.microsoft.com/office/drawing/2014/main" id="{99EB6D5F-62C5-344A-2583-1F06E9B887BE}"/>
-              </a:ext>
-            </a:extLst>
-          </p:cNvPr>
-          <p:cNvSpPr>
-            <a:spLocks noGrp="1"/>
-          </p:cNvSpPr>
-          <p:nvPr>
-            <p:ph type="title"/>
-          </p:nvPr>
-        </p:nvSpPr>
-        <p:spPr/>
-        <p:txBody>
-          <a:bodyPr>
-            <a:normAutofit fontScale="90000"/>
-          </a:bodyPr>
-          <a:lstStyle/>
-          <a:p>
-            <a:r>
-              <a:rPr lang="en-AU" dirty="0">
-                <a:solidFill>
-                  <a:srgbClr val="FFC000"/>
-                </a:solidFill>
-              </a:rPr>
-              <a:t>Why This Course is Different</a:t>
-            </a:r>
-            <a:endParaRPr lang="en-US" dirty="0">
-              <a:solidFill>
-                <a:srgbClr val="FFC000"/>
-              </a:solidFill>
-            </a:endParaRPr>
-          </a:p>
-        </p:txBody>
-      </p:sp>
-      <p:sp>
-        <p:nvSpPr>
-          <p:cNvPr id="3" name="Content Placeholder 2">
-            <a:extLst>
-              <a:ext uri="{FF2B5EF4-FFF2-40B4-BE49-F238E27FC236}">
-                <a16:creationId xmlns:a16="http://schemas.microsoft.com/office/drawing/2014/main" id="{C5C9E753-4988-9AC0-0B62-42E1EAE227FE}"/>
-              </a:ext>
-            </a:extLst>
-          </p:cNvPr>
-          <p:cNvSpPr>
-            <a:spLocks noGrp="1"/>
-          </p:cNvSpPr>
-          <p:nvPr>
-            <p:ph idx="1"/>
-          </p:nvPr>
-        </p:nvSpPr>
-        <p:spPr/>
-        <p:txBody>
-          <a:bodyPr/>
-          <a:lstStyle/>
-          <a:p>
-            <a:r>
-              <a:rPr lang="en-AU" b="1" dirty="0"/>
-              <a:t>Not “cookie-cutter” bootcamps.</a:t>
-            </a:r>
-            <a:endParaRPr lang="en-AU" dirty="0"/>
-          </a:p>
-          <a:p>
-            <a:pPr lvl="1"/>
-            <a:r>
-              <a:rPr lang="en-AU" dirty="0"/>
-              <a:t>100% </a:t>
-            </a:r>
-            <a:r>
-              <a:rPr lang="en-AU" b="1" dirty="0"/>
-              <a:t>hands-on learning</a:t>
-            </a:r>
-            <a:r>
-              <a:rPr lang="en-AU" dirty="0"/>
-              <a:t> (no endless theory)</a:t>
-            </a:r>
-          </a:p>
-          <a:p>
-            <a:pPr lvl="1"/>
-            <a:r>
-              <a:rPr lang="en-AU" dirty="0"/>
-              <a:t>Real-world case studies &amp; projects</a:t>
-            </a:r>
-          </a:p>
-          <a:p>
-            <a:pPr lvl="1"/>
-            <a:r>
-              <a:rPr lang="en-AU" dirty="0"/>
-              <a:t>Focus on </a:t>
-            </a:r>
-            <a:r>
-              <a:rPr lang="en-AU" b="1" dirty="0"/>
-              <a:t>skills employers actually hire for</a:t>
-            </a:r>
-            <a:endParaRPr lang="en-AU" dirty="0"/>
-          </a:p>
-          <a:p>
-            <a:pPr lvl="1"/>
-            <a:r>
-              <a:rPr lang="en-AU" dirty="0"/>
-              <a:t>Designed by </a:t>
-            </a:r>
-            <a:r>
-              <a:rPr lang="en-AU" b="1" dirty="0"/>
-              <a:t>industry leaders</a:t>
-            </a:r>
-            <a:r>
-              <a:rPr lang="en-AU" dirty="0"/>
-              <a:t>, not “AI copy-paste”</a:t>
-            </a:r>
-          </a:p>
-          <a:p>
-            <a:pPr lvl="1"/>
-            <a:r>
-              <a:rPr lang="en-AU" dirty="0"/>
-              <a:t>Built over </a:t>
-            </a:r>
-            <a:r>
-              <a:rPr lang="en-AU" b="1" dirty="0"/>
-              <a:t>2 years of research, design, and testing</a:t>
-            </a:r>
-            <a:endParaRPr lang="en-AU" dirty="0"/>
-          </a:p>
-          <a:p>
-            <a:endParaRPr lang="en-US" dirty="0"/>
-          </a:p>
-        </p:txBody>
-      </p:sp>
-    </p:spTree>
-    <p:extLst>
-      <p:ext uri="{BB962C8B-B14F-4D97-AF65-F5344CB8AC3E}">
-        <p14:creationId xmlns:p14="http://schemas.microsoft.com/office/powerpoint/2010/main" val="2617533274"/>
       </p:ext>
     </p:extLst>
   </p:cSld>
@@ -5122,7 +5123,7 @@
           <p:cNvPr id="2" name="Title 1">
             <a:extLst>
               <a:ext uri="{FF2B5EF4-FFF2-40B4-BE49-F238E27FC236}">
-                <a16:creationId xmlns:a16="http://schemas.microsoft.com/office/drawing/2014/main" id="{CE468E7E-997B-FFE7-80F2-9B5CBA0DD4A4}"/>
+                <a16:creationId xmlns:a16="http://schemas.microsoft.com/office/drawing/2014/main" id="{99EB6D5F-62C5-344A-2583-1F06E9B887BE}"/>
               </a:ext>
             </a:extLst>
           </p:cNvPr>
@@ -5146,7 +5147,7 @@
                   <a:srgbClr val="FFC000"/>
                 </a:solidFill>
               </a:rPr>
-              <a:t>How We Compare</a:t>
+              <a:t>Why This Course is Different</a:t>
             </a:r>
             <a:endParaRPr lang="en-US" dirty="0">
               <a:solidFill>
@@ -5161,7 +5162,7 @@
           <p:cNvPr id="3" name="Content Placeholder 2">
             <a:extLst>
               <a:ext uri="{FF2B5EF4-FFF2-40B4-BE49-F238E27FC236}">
-                <a16:creationId xmlns:a16="http://schemas.microsoft.com/office/drawing/2014/main" id="{5BC87A47-13F4-B616-7800-C479B039FDDB}"/>
+                <a16:creationId xmlns:a16="http://schemas.microsoft.com/office/drawing/2014/main" id="{C5C9E753-4988-9AC0-0B62-42E1EAE227FE}"/>
               </a:ext>
             </a:extLst>
           </p:cNvPr>
@@ -5179,7 +5180,7 @@
           <a:p>
             <a:r>
               <a:rPr lang="en-AU" b="1" dirty="0"/>
-              <a:t>Other Programs:</a:t>
+              <a:t>Not “cookie-cutter” bootcamps.</a:t>
             </a:r>
             <a:endParaRPr lang="en-AU" dirty="0"/>
           </a:p>
@@ -5187,81 +5188,62 @@
             <a:pPr lvl="1"/>
             <a:r>
               <a:rPr lang="en-AU" dirty="0"/>
-              <a:t>Poor industry reputation</a:t>
+              <a:t>100% </a:t>
+            </a:r>
+            <a:r>
+              <a:rPr lang="en-AU" b="1" dirty="0"/>
+              <a:t>hands-on learning</a:t>
+            </a:r>
+            <a:r>
+              <a:rPr lang="en-AU" dirty="0"/>
+              <a:t> (no endless theory)</a:t>
             </a:r>
           </a:p>
           <a:p>
             <a:pPr lvl="1"/>
             <a:r>
               <a:rPr lang="en-AU" dirty="0"/>
-              <a:t>Overly theoretical or generic content</a:t>
+              <a:t>Real-world case studies &amp; projects</a:t>
             </a:r>
           </a:p>
           <a:p>
             <a:pPr lvl="1"/>
             <a:r>
               <a:rPr lang="en-AU" dirty="0"/>
-              <a:t>Limited real-world relevance</a:t>
-            </a:r>
-          </a:p>
-          <a:p>
-            <a:r>
-              <a:rPr lang="en-AU" b="1" dirty="0">
-                <a:solidFill>
-                  <a:srgbClr val="FFC000"/>
-                </a:solidFill>
-              </a:rPr>
-              <a:t>AI Tech Institute:</a:t>
-            </a:r>
+              <a:t>Focus on </a:t>
+            </a:r>
+            <a:r>
+              <a:rPr lang="en-AU" b="1" dirty="0"/>
+              <a:t>skills employers actually hire for</a:t>
+            </a:r>
+            <a:endParaRPr lang="en-AU" dirty="0"/>
           </a:p>
           <a:p>
             <a:pPr lvl="1"/>
             <a:r>
+              <a:rPr lang="en-AU" dirty="0"/>
+              <a:t>Designed by </a:t>
+            </a:r>
+            <a:r>
               <a:rPr lang="en-AU" b="1" dirty="0"/>
-              <a:t>Curated by industry experts</a:t>
+              <a:t>industry leaders</a:t>
+            </a:r>
+            <a:r>
+              <a:rPr lang="en-AU" dirty="0"/>
+              <a:t>, not “AI copy-paste”</a:t>
+            </a:r>
+          </a:p>
+          <a:p>
+            <a:pPr lvl="1"/>
+            <a:r>
+              <a:rPr lang="en-AU" dirty="0"/>
+              <a:t>Built over </a:t>
+            </a:r>
+            <a:r>
+              <a:rPr lang="en-AU" b="1" dirty="0"/>
+              <a:t>2 years of research, design, and testing</a:t>
             </a:r>
             <a:endParaRPr lang="en-AU" dirty="0"/>
-          </a:p>
-          <a:p>
-            <a:pPr lvl="1"/>
-            <a:r>
-              <a:rPr lang="en-AU" b="1" dirty="0"/>
-              <a:t>Supportive, hands-on teaching</a:t>
-            </a:r>
-            <a:endParaRPr lang="en-AU" dirty="0"/>
-          </a:p>
-          <a:p>
-            <a:pPr lvl="1"/>
-            <a:r>
-              <a:rPr lang="en-AU" b="1" dirty="0"/>
-              <a:t>Career-oriented</a:t>
-            </a:r>
-            <a:r>
-              <a:rPr lang="en-AU" dirty="0"/>
-              <a:t>: every module builds practical skills</a:t>
-            </a:r>
-          </a:p>
-          <a:p>
-            <a:pPr lvl="1"/>
-            <a:r>
-              <a:rPr lang="en-AU" dirty="0"/>
-              <a:t>Students graduate with </a:t>
-            </a:r>
-            <a:r>
-              <a:rPr lang="en-AU" b="1" dirty="0"/>
-              <a:t>deployable projects</a:t>
-            </a:r>
-            <a:r>
-              <a:rPr lang="en-AU" dirty="0"/>
-              <a:t> they can showcase</a:t>
-            </a:r>
-          </a:p>
-          <a:p>
-            <a:pPr lvl="1"/>
-            <a:r>
-              <a:rPr lang="en-AU" dirty="0"/>
-              <a:t>1-on-1 coaching</a:t>
-            </a:r>
           </a:p>
           <a:p>
             <a:endParaRPr lang="en-US" dirty="0"/>
@@ -5271,7 +5253,7 @@
     </p:spTree>
     <p:extLst>
       <p:ext uri="{BB962C8B-B14F-4D97-AF65-F5344CB8AC3E}">
-        <p14:creationId xmlns:p14="http://schemas.microsoft.com/office/powerpoint/2010/main" val="48261942"/>
+        <p14:creationId xmlns:p14="http://schemas.microsoft.com/office/powerpoint/2010/main" val="2617533274"/>
       </p:ext>
     </p:extLst>
   </p:cSld>
@@ -5303,6 +5285,187 @@
           <p:cNvPr id="2" name="Title 1">
             <a:extLst>
               <a:ext uri="{FF2B5EF4-FFF2-40B4-BE49-F238E27FC236}">
+                <a16:creationId xmlns:a16="http://schemas.microsoft.com/office/drawing/2014/main" id="{CE468E7E-997B-FFE7-80F2-9B5CBA0DD4A4}"/>
+              </a:ext>
+            </a:extLst>
+          </p:cNvPr>
+          <p:cNvSpPr>
+            <a:spLocks noGrp="1"/>
+          </p:cNvSpPr>
+          <p:nvPr>
+            <p:ph type="title"/>
+          </p:nvPr>
+        </p:nvSpPr>
+        <p:spPr/>
+        <p:txBody>
+          <a:bodyPr>
+            <a:normAutofit fontScale="90000"/>
+          </a:bodyPr>
+          <a:lstStyle/>
+          <a:p>
+            <a:r>
+              <a:rPr lang="en-AU" dirty="0">
+                <a:solidFill>
+                  <a:srgbClr val="FFC000"/>
+                </a:solidFill>
+              </a:rPr>
+              <a:t>How We Compare</a:t>
+            </a:r>
+            <a:endParaRPr lang="en-US" dirty="0">
+              <a:solidFill>
+                <a:srgbClr val="FFC000"/>
+              </a:solidFill>
+            </a:endParaRPr>
+          </a:p>
+        </p:txBody>
+      </p:sp>
+      <p:sp>
+        <p:nvSpPr>
+          <p:cNvPr id="3" name="Content Placeholder 2">
+            <a:extLst>
+              <a:ext uri="{FF2B5EF4-FFF2-40B4-BE49-F238E27FC236}">
+                <a16:creationId xmlns:a16="http://schemas.microsoft.com/office/drawing/2014/main" id="{5BC87A47-13F4-B616-7800-C479B039FDDB}"/>
+              </a:ext>
+            </a:extLst>
+          </p:cNvPr>
+          <p:cNvSpPr>
+            <a:spLocks noGrp="1"/>
+          </p:cNvSpPr>
+          <p:nvPr>
+            <p:ph idx="1"/>
+          </p:nvPr>
+        </p:nvSpPr>
+        <p:spPr/>
+        <p:txBody>
+          <a:bodyPr/>
+          <a:lstStyle/>
+          <a:p>
+            <a:r>
+              <a:rPr lang="en-AU" b="1" dirty="0"/>
+              <a:t>Other Programs:</a:t>
+            </a:r>
+            <a:endParaRPr lang="en-AU" dirty="0"/>
+          </a:p>
+          <a:p>
+            <a:pPr lvl="1"/>
+            <a:r>
+              <a:rPr lang="en-AU" dirty="0"/>
+              <a:t>Poor industry reputation</a:t>
+            </a:r>
+          </a:p>
+          <a:p>
+            <a:pPr lvl="1"/>
+            <a:r>
+              <a:rPr lang="en-AU" dirty="0"/>
+              <a:t>Overly theoretical or generic content</a:t>
+            </a:r>
+          </a:p>
+          <a:p>
+            <a:pPr lvl="1"/>
+            <a:r>
+              <a:rPr lang="en-AU" dirty="0"/>
+              <a:t>Limited real-world relevance</a:t>
+            </a:r>
+          </a:p>
+          <a:p>
+            <a:r>
+              <a:rPr lang="en-AU" b="1" dirty="0">
+                <a:solidFill>
+                  <a:srgbClr val="FFC000"/>
+                </a:solidFill>
+              </a:rPr>
+              <a:t>AI Tech Institute:</a:t>
+            </a:r>
+          </a:p>
+          <a:p>
+            <a:pPr lvl="1"/>
+            <a:r>
+              <a:rPr lang="en-AU" b="1" dirty="0"/>
+              <a:t>Curated by industry experts</a:t>
+            </a:r>
+            <a:endParaRPr lang="en-AU" dirty="0"/>
+          </a:p>
+          <a:p>
+            <a:pPr lvl="1"/>
+            <a:r>
+              <a:rPr lang="en-AU" b="1" dirty="0"/>
+              <a:t>Supportive, hands-on teaching</a:t>
+            </a:r>
+            <a:endParaRPr lang="en-AU" dirty="0"/>
+          </a:p>
+          <a:p>
+            <a:pPr lvl="1"/>
+            <a:r>
+              <a:rPr lang="en-AU" b="1" dirty="0"/>
+              <a:t>Career-oriented</a:t>
+            </a:r>
+            <a:r>
+              <a:rPr lang="en-AU" dirty="0"/>
+              <a:t>: every module builds practical skills</a:t>
+            </a:r>
+          </a:p>
+          <a:p>
+            <a:pPr lvl="1"/>
+            <a:r>
+              <a:rPr lang="en-AU" dirty="0"/>
+              <a:t>Students graduate with </a:t>
+            </a:r>
+            <a:r>
+              <a:rPr lang="en-AU" b="1" dirty="0"/>
+              <a:t>deployable projects</a:t>
+            </a:r>
+            <a:r>
+              <a:rPr lang="en-AU" dirty="0"/>
+              <a:t> they can showcase</a:t>
+            </a:r>
+          </a:p>
+          <a:p>
+            <a:pPr lvl="1"/>
+            <a:r>
+              <a:rPr lang="en-AU" dirty="0"/>
+              <a:t>1-on-1 coaching</a:t>
+            </a:r>
+          </a:p>
+          <a:p>
+            <a:endParaRPr lang="en-US" dirty="0"/>
+          </a:p>
+        </p:txBody>
+      </p:sp>
+    </p:spTree>
+    <p:extLst>
+      <p:ext uri="{BB962C8B-B14F-4D97-AF65-F5344CB8AC3E}">
+        <p14:creationId xmlns:p14="http://schemas.microsoft.com/office/powerpoint/2010/main" val="48261942"/>
+      </p:ext>
+    </p:extLst>
+  </p:cSld>
+  <p:clrMapOvr>
+    <a:masterClrMapping/>
+  </p:clrMapOvr>
+</p:sld>
+</file>
+
+<file path=ppt/slides/slide8.xml><?xml version="1.0" encoding="utf-8"?>
+<p:sld xmlns:a="http://schemas.openxmlformats.org/drawingml/2006/main" xmlns:r="http://schemas.openxmlformats.org/officeDocument/2006/relationships" xmlns:p="http://schemas.openxmlformats.org/presentationml/2006/main">
+  <p:cSld>
+    <p:spTree>
+      <p:nvGrpSpPr>
+        <p:cNvPr id="1" name=""/>
+        <p:cNvGrpSpPr/>
+        <p:nvPr/>
+      </p:nvGrpSpPr>
+      <p:grpSpPr>
+        <a:xfrm>
+          <a:off x="0" y="0"/>
+          <a:ext cx="0" cy="0"/>
+          <a:chOff x="0" y="0"/>
+          <a:chExt cx="0" cy="0"/>
+        </a:xfrm>
+      </p:grpSpPr>
+      <p:sp>
+        <p:nvSpPr>
+          <p:cNvPr id="2" name="Title 1">
+            <a:extLst>
+              <a:ext uri="{FF2B5EF4-FFF2-40B4-BE49-F238E27FC236}">
                 <a16:creationId xmlns:a16="http://schemas.microsoft.com/office/drawing/2014/main" id="{9844049A-09E8-EC34-095F-A97A7BBF4B0B}"/>
               </a:ext>
             </a:extLst>
@@ -5410,36 +5573,6 @@
           </a:p>
         </p:txBody>
       </p:sp>
-      <p:pic>
-        <p:nvPicPr>
-          <p:cNvPr id="5" name="Picture 4" descr="A close up of a person's face&#10;&#10;AI-generated content may be incorrect.">
-            <a:extLst>
-              <a:ext uri="{FF2B5EF4-FFF2-40B4-BE49-F238E27FC236}">
-                <a16:creationId xmlns:a16="http://schemas.microsoft.com/office/drawing/2014/main" id="{A392A18F-F910-212C-47AD-581EE336A98B}"/>
-              </a:ext>
-            </a:extLst>
-          </p:cNvPr>
-          <p:cNvPicPr>
-            <a:picLocks noChangeAspect="1"/>
-          </p:cNvPicPr>
-          <p:nvPr/>
-        </p:nvPicPr>
-        <p:blipFill>
-          <a:blip r:embed="rId2"/>
-          <a:stretch>
-            <a:fillRect/>
-          </a:stretch>
-        </p:blipFill>
-        <p:spPr>
-          <a:xfrm>
-            <a:off x="3559798" y="3456694"/>
-            <a:ext cx="5072404" cy="2899658"/>
-          </a:xfrm>
-          <a:prstGeom prst="rect">
-            <a:avLst/>
-          </a:prstGeom>
-        </p:spPr>
-      </p:pic>
     </p:spTree>
     <p:extLst>
       <p:ext uri="{BB962C8B-B14F-4D97-AF65-F5344CB8AC3E}">
@@ -5453,7 +5586,7 @@
 </p:sld>
 </file>
 
-<file path=ppt/slides/slide8.xml><?xml version="1.0" encoding="utf-8"?>
+<file path=ppt/slides/slide9.xml><?xml version="1.0" encoding="utf-8"?>
 <p:sld xmlns:a="http://schemas.openxmlformats.org/drawingml/2006/main" xmlns:r="http://schemas.openxmlformats.org/officeDocument/2006/relationships" xmlns:p="http://schemas.openxmlformats.org/presentationml/2006/main">
   <p:cSld>
     <p:spTree>
@@ -7986,161 +8119,6 @@
 </p:sld>
 </file>
 
-<file path=ppt/slides/slide9.xml><?xml version="1.0" encoding="utf-8"?>
-<p:sld xmlns:a="http://schemas.openxmlformats.org/drawingml/2006/main" xmlns:r="http://schemas.openxmlformats.org/officeDocument/2006/relationships" xmlns:p="http://schemas.openxmlformats.org/presentationml/2006/main">
-  <p:cSld>
-    <p:spTree>
-      <p:nvGrpSpPr>
-        <p:cNvPr id="1" name=""/>
-        <p:cNvGrpSpPr/>
-        <p:nvPr/>
-      </p:nvGrpSpPr>
-      <p:grpSpPr>
-        <a:xfrm>
-          <a:off x="0" y="0"/>
-          <a:ext cx="0" cy="0"/>
-          <a:chOff x="0" y="0"/>
-          <a:chExt cx="0" cy="0"/>
-        </a:xfrm>
-      </p:grpSpPr>
-      <p:sp>
-        <p:nvSpPr>
-          <p:cNvPr id="2" name="Title 1">
-            <a:extLst>
-              <a:ext uri="{FF2B5EF4-FFF2-40B4-BE49-F238E27FC236}">
-                <a16:creationId xmlns:a16="http://schemas.microsoft.com/office/drawing/2014/main" id="{E0E2DA87-DA19-8AEB-1406-00CF5DAFC7B3}"/>
-              </a:ext>
-            </a:extLst>
-          </p:cNvPr>
-          <p:cNvSpPr>
-            <a:spLocks noGrp="1"/>
-          </p:cNvSpPr>
-          <p:nvPr>
-            <p:ph type="title"/>
-          </p:nvPr>
-        </p:nvSpPr>
-        <p:spPr/>
-        <p:txBody>
-          <a:bodyPr>
-            <a:normAutofit fontScale="90000"/>
-          </a:bodyPr>
-          <a:lstStyle/>
-          <a:p>
-            <a:r>
-              <a:rPr lang="en-AU" dirty="0">
-                <a:solidFill>
-                  <a:srgbClr val="FFC000"/>
-                </a:solidFill>
-              </a:rPr>
-              <a:t>What You’ll Gain</a:t>
-            </a:r>
-            <a:endParaRPr lang="en-US" dirty="0">
-              <a:solidFill>
-                <a:srgbClr val="FFC000"/>
-              </a:solidFill>
-            </a:endParaRPr>
-          </a:p>
-        </p:txBody>
-      </p:sp>
-      <p:sp>
-        <p:nvSpPr>
-          <p:cNvPr id="3" name="Content Placeholder 2">
-            <a:extLst>
-              <a:ext uri="{FF2B5EF4-FFF2-40B4-BE49-F238E27FC236}">
-                <a16:creationId xmlns:a16="http://schemas.microsoft.com/office/drawing/2014/main" id="{1F1A9237-AEDB-8870-633B-14091811B782}"/>
-              </a:ext>
-            </a:extLst>
-          </p:cNvPr>
-          <p:cNvSpPr>
-            <a:spLocks noGrp="1"/>
-          </p:cNvSpPr>
-          <p:nvPr>
-            <p:ph idx="1"/>
-          </p:nvPr>
-        </p:nvSpPr>
-        <p:spPr/>
-        <p:txBody>
-          <a:bodyPr/>
-          <a:lstStyle/>
-          <a:p>
-            <a:r>
-              <a:rPr lang="en-AU" b="1" dirty="0">
-                <a:solidFill>
-                  <a:srgbClr val="FFC000"/>
-                </a:solidFill>
-              </a:rPr>
-              <a:t>By the end of this course, you will:</a:t>
-            </a:r>
-          </a:p>
-          <a:p>
-            <a:pPr lvl="1"/>
-            <a:r>
-              <a:rPr lang="en-AU" dirty="0"/>
-              <a:t>Understand </a:t>
-            </a:r>
-            <a:r>
-              <a:rPr lang="en-AU" b="1" dirty="0"/>
-              <a:t>ML model deployment pipelines</a:t>
-            </a:r>
-            <a:endParaRPr lang="en-AU" dirty="0"/>
-          </a:p>
-          <a:p>
-            <a:pPr lvl="1"/>
-            <a:r>
-              <a:rPr lang="en-AU" dirty="0"/>
-              <a:t>Be able to </a:t>
-            </a:r>
-            <a:r>
-              <a:rPr lang="en-AU" b="1" dirty="0"/>
-              <a:t>build &amp; deploy</a:t>
-            </a:r>
-            <a:r>
-              <a:rPr lang="en-AU" dirty="0"/>
-              <a:t> production-ready models</a:t>
-            </a:r>
-          </a:p>
-          <a:p>
-            <a:pPr lvl="1"/>
-            <a:r>
-              <a:rPr lang="en-AU" dirty="0"/>
-              <a:t>Be prepared for </a:t>
-            </a:r>
-            <a:r>
-              <a:rPr lang="en-AU" b="1" dirty="0"/>
-              <a:t>roles in data science &amp; AI engineering</a:t>
-            </a:r>
-            <a:endParaRPr lang="en-AU" dirty="0"/>
-          </a:p>
-          <a:p>
-            <a:pPr lvl="1"/>
-            <a:r>
-              <a:rPr lang="en-AU" dirty="0"/>
-              <a:t>Leave with </a:t>
-            </a:r>
-            <a:r>
-              <a:rPr lang="en-AU" b="1" dirty="0"/>
-              <a:t>portfolio-ready projects</a:t>
-            </a:r>
-            <a:endParaRPr lang="en-AU" dirty="0"/>
-          </a:p>
-          <a:p>
-            <a:endParaRPr lang="en-US" dirty="0"/>
-          </a:p>
-        </p:txBody>
-      </p:sp>
-    </p:spTree>
-    <p:extLst>
-      <p:ext uri="{BB962C8B-B14F-4D97-AF65-F5344CB8AC3E}">
-        <p14:creationId xmlns:p14="http://schemas.microsoft.com/office/powerpoint/2010/main" val="3539093200"/>
-      </p:ext>
-    </p:extLst>
-  </p:cSld>
-  <p:clrMapOvr>
-    <a:masterClrMapping/>
-  </p:clrMapOvr>
-</p:sld>
-</file>
-
 <file path=ppt/theme/theme1.xml><?xml version="1.0" encoding="utf-8"?>
 <a:theme xmlns:a="http://schemas.openxmlformats.org/drawingml/2006/main" name="theme_black">
   <a:themeElements>
